--- a/섭핑몰/개념설계.pptx
+++ b/섭핑몰/개념설계.pptx
@@ -104,6 +104,11 @@
       </a:defRPr>
     </a:lvl9pPr>
   </p:defaultTextStyle>
+  <p:extLst>
+    <p:ext uri="{EFAFB233-063F-42B5-8137-9DF3F51BA10A}">
+      <p15:sldGuideLst xmlns:p15="http://schemas.microsoft.com/office/powerpoint/2012/main"/>
+    </p:ext>
+  </p:extLst>
 </p:presentation>
 </file>
 
@@ -253,7 +258,7 @@
           <a:lstStyle/>
           <a:p>
             <a:fld id="{C520F94A-C576-8449-A908-FA51BA1FCADC}" type="datetimeFigureOut">
-              <a:t>2019. 12. 6.</a:t>
+              <a:t>2020. 5. 19.</a:t>
             </a:fld>
             <a:endParaRPr kumimoji="1" lang="ko-KR" altLang="en-US"/>
           </a:p>
@@ -449,7 +454,7 @@
           <a:lstStyle/>
           <a:p>
             <a:fld id="{C520F94A-C576-8449-A908-FA51BA1FCADC}" type="datetimeFigureOut">
-              <a:t>2019. 12. 6.</a:t>
+              <a:t>2020. 5. 19.</a:t>
             </a:fld>
             <a:endParaRPr kumimoji="1" lang="ko-KR" altLang="en-US"/>
           </a:p>
@@ -655,7 +660,7 @@
           <a:lstStyle/>
           <a:p>
             <a:fld id="{C520F94A-C576-8449-A908-FA51BA1FCADC}" type="datetimeFigureOut">
-              <a:t>2019. 12. 6.</a:t>
+              <a:t>2020. 5. 19.</a:t>
             </a:fld>
             <a:endParaRPr kumimoji="1" lang="ko-KR" altLang="en-US"/>
           </a:p>
@@ -851,7 +856,7 @@
           <a:lstStyle/>
           <a:p>
             <a:fld id="{C520F94A-C576-8449-A908-FA51BA1FCADC}" type="datetimeFigureOut">
-              <a:t>2019. 12. 6.</a:t>
+              <a:t>2020. 5. 19.</a:t>
             </a:fld>
             <a:endParaRPr kumimoji="1" lang="ko-KR" altLang="en-US"/>
           </a:p>
@@ -1124,7 +1129,7 @@
           <a:lstStyle/>
           <a:p>
             <a:fld id="{C520F94A-C576-8449-A908-FA51BA1FCADC}" type="datetimeFigureOut">
-              <a:t>2019. 12. 6.</a:t>
+              <a:t>2020. 5. 19.</a:t>
             </a:fld>
             <a:endParaRPr kumimoji="1" lang="ko-KR" altLang="en-US"/>
           </a:p>
@@ -1387,7 +1392,7 @@
           <a:lstStyle/>
           <a:p>
             <a:fld id="{C520F94A-C576-8449-A908-FA51BA1FCADC}" type="datetimeFigureOut">
-              <a:t>2019. 12. 6.</a:t>
+              <a:t>2020. 5. 19.</a:t>
             </a:fld>
             <a:endParaRPr kumimoji="1" lang="ko-KR" altLang="en-US"/>
           </a:p>
@@ -1797,7 +1802,7 @@
           <a:lstStyle/>
           <a:p>
             <a:fld id="{C520F94A-C576-8449-A908-FA51BA1FCADC}" type="datetimeFigureOut">
-              <a:t>2019. 12. 6.</a:t>
+              <a:t>2020. 5. 19.</a:t>
             </a:fld>
             <a:endParaRPr kumimoji="1" lang="ko-KR" altLang="en-US"/>
           </a:p>
@@ -1936,7 +1941,7 @@
           <a:lstStyle/>
           <a:p>
             <a:fld id="{C520F94A-C576-8449-A908-FA51BA1FCADC}" type="datetimeFigureOut">
-              <a:t>2019. 12. 6.</a:t>
+              <a:t>2020. 5. 19.</a:t>
             </a:fld>
             <a:endParaRPr kumimoji="1" lang="ko-KR" altLang="en-US"/>
           </a:p>
@@ -2047,7 +2052,7 @@
           <a:lstStyle/>
           <a:p>
             <a:fld id="{C520F94A-C576-8449-A908-FA51BA1FCADC}" type="datetimeFigureOut">
-              <a:t>2019. 12. 6.</a:t>
+              <a:t>2020. 5. 19.</a:t>
             </a:fld>
             <a:endParaRPr kumimoji="1" lang="ko-KR" altLang="en-US"/>
           </a:p>
@@ -2356,7 +2361,7 @@
           <a:lstStyle/>
           <a:p>
             <a:fld id="{C520F94A-C576-8449-A908-FA51BA1FCADC}" type="datetimeFigureOut">
-              <a:t>2019. 12. 6.</a:t>
+              <a:t>2020. 5. 19.</a:t>
             </a:fld>
             <a:endParaRPr kumimoji="1" lang="ko-KR" altLang="en-US"/>
           </a:p>
@@ -2642,7 +2647,7 @@
           <a:lstStyle/>
           <a:p>
             <a:fld id="{C520F94A-C576-8449-A908-FA51BA1FCADC}" type="datetimeFigureOut">
-              <a:t>2019. 12. 6.</a:t>
+              <a:t>2020. 5. 19.</a:t>
             </a:fld>
             <a:endParaRPr kumimoji="1" lang="ko-KR" altLang="en-US"/>
           </a:p>
@@ -2881,7 +2886,7 @@
           </a:lstStyle>
           <a:p>
             <a:fld id="{C520F94A-C576-8449-A908-FA51BA1FCADC}" type="datetimeFigureOut">
-              <a:t>2019. 12. 6.</a:t>
+              <a:t>2020. 5. 19.</a:t>
             </a:fld>
             <a:endParaRPr kumimoji="1" lang="ko-KR" altLang="en-US"/>
           </a:p>
@@ -5374,6 +5379,149 @@
           </a:p>
         </p:txBody>
       </p:sp>
+      <p:sp>
+        <p:nvSpPr>
+          <p:cNvPr id="47" name="직사각형 46">
+            <a:extLst>
+              <a:ext uri="{FF2B5EF4-FFF2-40B4-BE49-F238E27FC236}">
+                <a16:creationId xmlns:a16="http://schemas.microsoft.com/office/drawing/2014/main" id="{67FA3BD4-5D86-0F4F-8896-66D9D356C058}"/>
+              </a:ext>
+            </a:extLst>
+          </p:cNvPr>
+          <p:cNvSpPr/>
+          <p:nvPr/>
+        </p:nvSpPr>
+        <p:spPr>
+          <a:xfrm>
+            <a:off x="1293425" y="632138"/>
+            <a:ext cx="1273628" cy="555170"/>
+          </a:xfrm>
+          <a:prstGeom prst="rect">
+            <a:avLst/>
+          </a:prstGeom>
+          <a:noFill/>
+          <a:ln w="19050">
+            <a:solidFill>
+              <a:schemeClr val="tx1"/>
+            </a:solidFill>
+          </a:ln>
+        </p:spPr>
+        <p:style>
+          <a:lnRef idx="2">
+            <a:schemeClr val="accent1">
+              <a:shade val="50000"/>
+            </a:schemeClr>
+          </a:lnRef>
+          <a:fillRef idx="1">
+            <a:schemeClr val="accent1"/>
+          </a:fillRef>
+          <a:effectRef idx="0">
+            <a:schemeClr val="accent1"/>
+          </a:effectRef>
+          <a:fontRef idx="minor">
+            <a:schemeClr val="lt1"/>
+          </a:fontRef>
+        </p:style>
+        <p:txBody>
+          <a:bodyPr rtlCol="0" anchor="ctr"/>
+          <a:lstStyle/>
+          <a:p>
+            <a:pPr algn="ctr"/>
+            <a:r>
+              <a:rPr kumimoji="1" lang="ko-KR" altLang="en-US">
+                <a:solidFill>
+                  <a:schemeClr val="tx1"/>
+                </a:solidFill>
+              </a:rPr>
+              <a:t>회원인증</a:t>
+            </a:r>
+          </a:p>
+        </p:txBody>
+      </p:sp>
+      <p:cxnSp>
+        <p:nvCxnSpPr>
+          <p:cNvPr id="50" name="직선 연결선[R] 49">
+            <a:extLst>
+              <a:ext uri="{FF2B5EF4-FFF2-40B4-BE49-F238E27FC236}">
+                <a16:creationId xmlns:a16="http://schemas.microsoft.com/office/drawing/2014/main" id="{A064D3D5-ED30-6747-A11E-4CDAD7749CF9}"/>
+              </a:ext>
+            </a:extLst>
+          </p:cNvPr>
+          <p:cNvCxnSpPr>
+            <a:cxnSpLocks/>
+            <a:stCxn id="47" idx="2"/>
+          </p:cNvCxnSpPr>
+          <p:nvPr/>
+        </p:nvCxnSpPr>
+        <p:spPr>
+          <a:xfrm>
+            <a:off x="1930239" y="1187308"/>
+            <a:ext cx="420749" cy="581238"/>
+          </a:xfrm>
+          <a:prstGeom prst="line">
+            <a:avLst/>
+          </a:prstGeom>
+        </p:spPr>
+        <p:style>
+          <a:lnRef idx="1">
+            <a:schemeClr val="accent1"/>
+          </a:lnRef>
+          <a:fillRef idx="0">
+            <a:schemeClr val="accent1"/>
+          </a:fillRef>
+          <a:effectRef idx="0">
+            <a:schemeClr val="accent1"/>
+          </a:effectRef>
+          <a:fontRef idx="minor">
+            <a:schemeClr val="tx1"/>
+          </a:fontRef>
+        </p:style>
+      </p:cxnSp>
+      <p:sp>
+        <p:nvSpPr>
+          <p:cNvPr id="54" name="TextBox 53">
+            <a:extLst>
+              <a:ext uri="{FF2B5EF4-FFF2-40B4-BE49-F238E27FC236}">
+                <a16:creationId xmlns:a16="http://schemas.microsoft.com/office/drawing/2014/main" id="{A89F07A7-FFFE-904B-9675-DCB8475BED6F}"/>
+              </a:ext>
+            </a:extLst>
+          </p:cNvPr>
+          <p:cNvSpPr txBox="1"/>
+          <p:nvPr/>
+        </p:nvSpPr>
+        <p:spPr>
+          <a:xfrm rot="19645062">
+            <a:off x="1798203" y="1132545"/>
+            <a:ext cx="481686" cy="923330"/>
+          </a:xfrm>
+          <a:prstGeom prst="rect">
+            <a:avLst/>
+          </a:prstGeom>
+          <a:noFill/>
+        </p:spPr>
+        <p:txBody>
+          <a:bodyPr wrap="square" rtlCol="0">
+            <a:spAutoFit/>
+          </a:bodyPr>
+          <a:lstStyle/>
+          <a:p>
+            <a:r>
+              <a:rPr kumimoji="1" lang="en-US" altLang="ko-KR"/>
+              <a:t>1</a:t>
+            </a:r>
+          </a:p>
+          <a:p>
+            <a:endParaRPr kumimoji="1" lang="en-US" altLang="ko-KR"/>
+          </a:p>
+          <a:p>
+            <a:r>
+              <a:rPr kumimoji="1" lang="en-US" altLang="ko-KR"/>
+              <a:t>1</a:t>
+            </a:r>
+            <a:endParaRPr kumimoji="1" lang="ko-KR" altLang="en-US"/>
+          </a:p>
+        </p:txBody>
+      </p:sp>
     </p:spTree>
     <p:extLst>
       <p:ext uri="{BB962C8B-B14F-4D97-AF65-F5344CB8AC3E}">
